--- a/ROHMHack/アロマだこ.pptx
+++ b/ROHMHack/アロマだこ.pptx
@@ -109,6 +109,11 @@
       </a:defRPr>
     </a:lvl9pPr>
   </p:defaultTextStyle>
+  <p:extLst>
+    <p:ext uri="{EFAFB233-063F-42B5-8137-9DF3F51BA10A}">
+      <p15:sldGuideLst xmlns:p15="http://schemas.microsoft.com/office/powerpoint/2012/main"/>
+    </p:ext>
+  </p:extLst>
 </p:presentation>
 </file>
 
@@ -3273,7 +3278,7 @@
         </p:nvSpPr>
         <p:spPr>
           <a:xfrm>
-            <a:off x="0" y="1371599"/>
+            <a:off x="0" y="1711566"/>
             <a:ext cx="9144000" cy="3221666"/>
           </a:xfrm>
           <a:prstGeom prst="rect">
@@ -3333,7 +3338,7 @@
         </p:nvSpPr>
         <p:spPr>
           <a:xfrm>
-            <a:off x="685800" y="1821913"/>
+            <a:off x="685800" y="2079819"/>
             <a:ext cx="7772400" cy="1583564"/>
           </a:xfrm>
         </p:spPr>
@@ -3341,6 +3346,7 @@
           <a:bodyPr anchor="ctr"/>
           <a:lstStyle/>
           <a:p>
+            <a:pPr algn="l"/>
             <a:r>
               <a:rPr kumimoji="1" lang="ja-JP" altLang="en-US" b="1">
                 <a:solidFill>
@@ -3349,7 +3355,7 @@
                 <a:latin typeface="+mn-ea"/>
                 <a:ea typeface="+mn-ea"/>
               </a:rPr>
-              <a:t>アロマだこ</a:t>
+              <a:t>　アロマだこ</a:t>
             </a:r>
           </a:p>
         </p:txBody>
@@ -3372,7 +3378,7 @@
         </p:nvSpPr>
         <p:spPr>
           <a:xfrm>
-            <a:off x="1143000" y="3150291"/>
+            <a:off x="1143000" y="3408197"/>
             <a:ext cx="6858000" cy="1655762"/>
           </a:xfrm>
         </p:spPr>
@@ -3403,6 +3409,36 @@
           </a:p>
         </p:txBody>
       </p:sp>
+      <p:pic>
+        <p:nvPicPr>
+          <p:cNvPr id="6" name="図 5">
+            <a:extLst>
+              <a:ext uri="{FF2B5EF4-FFF2-40B4-BE49-F238E27FC236}">
+                <a16:creationId xmlns:a16="http://schemas.microsoft.com/office/drawing/2014/main" id="{16BD3D0A-CAE4-3047-BA40-71D3D3870284}"/>
+              </a:ext>
+            </a:extLst>
+          </p:cNvPr>
+          <p:cNvPicPr>
+            <a:picLocks noChangeAspect="1"/>
+          </p:cNvPicPr>
+          <p:nvPr/>
+        </p:nvPicPr>
+        <p:blipFill>
+          <a:blip r:embed="rId2"/>
+          <a:stretch>
+            <a:fillRect/>
+          </a:stretch>
+        </p:blipFill>
+        <p:spPr>
+          <a:xfrm>
+            <a:off x="5733073" y="792117"/>
+            <a:ext cx="2839427" cy="2827421"/>
+          </a:xfrm>
+          <a:prstGeom prst="rect">
+            <a:avLst/>
+          </a:prstGeom>
+        </p:spPr>
+      </p:pic>
     </p:spTree>
     <p:extLst>
       <p:ext uri="{BB962C8B-B14F-4D97-AF65-F5344CB8AC3E}">
